--- a/Docker/DevOps.pptx
+++ b/Docker/DevOps.pptx
@@ -295,7 +295,7 @@
           <a:p>
             <a:fld id="{8A417453-3320-4BCD-A2FB-7FD7C1706EAB}" type="datetimeFigureOut">
               <a:rPr lang="en-IN" smtClean="0"/>
-              <a:t>29-09-2025</a:t>
+              <a:t>18-11-2025</a:t>
             </a:fld>
             <a:endParaRPr lang="en-IN"/>
           </a:p>
@@ -495,7 +495,7 @@
           <a:p>
             <a:fld id="{8A417453-3320-4BCD-A2FB-7FD7C1706EAB}" type="datetimeFigureOut">
               <a:rPr lang="en-IN" smtClean="0"/>
-              <a:t>29-09-2025</a:t>
+              <a:t>18-11-2025</a:t>
             </a:fld>
             <a:endParaRPr lang="en-IN"/>
           </a:p>
@@ -705,7 +705,7 @@
           <a:p>
             <a:fld id="{8A417453-3320-4BCD-A2FB-7FD7C1706EAB}" type="datetimeFigureOut">
               <a:rPr lang="en-IN" smtClean="0"/>
-              <a:t>29-09-2025</a:t>
+              <a:t>18-11-2025</a:t>
             </a:fld>
             <a:endParaRPr lang="en-IN"/>
           </a:p>
@@ -905,7 +905,7 @@
           <a:p>
             <a:fld id="{8A417453-3320-4BCD-A2FB-7FD7C1706EAB}" type="datetimeFigureOut">
               <a:rPr lang="en-IN" smtClean="0"/>
-              <a:t>29-09-2025</a:t>
+              <a:t>18-11-2025</a:t>
             </a:fld>
             <a:endParaRPr lang="en-IN"/>
           </a:p>
@@ -1181,7 +1181,7 @@
           <a:p>
             <a:fld id="{8A417453-3320-4BCD-A2FB-7FD7C1706EAB}" type="datetimeFigureOut">
               <a:rPr lang="en-IN" smtClean="0"/>
-              <a:t>29-09-2025</a:t>
+              <a:t>18-11-2025</a:t>
             </a:fld>
             <a:endParaRPr lang="en-IN"/>
           </a:p>
@@ -1449,7 +1449,7 @@
           <a:p>
             <a:fld id="{8A417453-3320-4BCD-A2FB-7FD7C1706EAB}" type="datetimeFigureOut">
               <a:rPr lang="en-IN" smtClean="0"/>
-              <a:t>29-09-2025</a:t>
+              <a:t>18-11-2025</a:t>
             </a:fld>
             <a:endParaRPr lang="en-IN"/>
           </a:p>
@@ -1864,7 +1864,7 @@
           <a:p>
             <a:fld id="{8A417453-3320-4BCD-A2FB-7FD7C1706EAB}" type="datetimeFigureOut">
               <a:rPr lang="en-IN" smtClean="0"/>
-              <a:t>29-09-2025</a:t>
+              <a:t>18-11-2025</a:t>
             </a:fld>
             <a:endParaRPr lang="en-IN"/>
           </a:p>
@@ -2006,7 +2006,7 @@
           <a:p>
             <a:fld id="{8A417453-3320-4BCD-A2FB-7FD7C1706EAB}" type="datetimeFigureOut">
               <a:rPr lang="en-IN" smtClean="0"/>
-              <a:t>29-09-2025</a:t>
+              <a:t>18-11-2025</a:t>
             </a:fld>
             <a:endParaRPr lang="en-IN"/>
           </a:p>
@@ -2119,7 +2119,7 @@
           <a:p>
             <a:fld id="{8A417453-3320-4BCD-A2FB-7FD7C1706EAB}" type="datetimeFigureOut">
               <a:rPr lang="en-IN" smtClean="0"/>
-              <a:t>29-09-2025</a:t>
+              <a:t>18-11-2025</a:t>
             </a:fld>
             <a:endParaRPr lang="en-IN"/>
           </a:p>
@@ -2432,7 +2432,7 @@
           <a:p>
             <a:fld id="{8A417453-3320-4BCD-A2FB-7FD7C1706EAB}" type="datetimeFigureOut">
               <a:rPr lang="en-IN" smtClean="0"/>
-              <a:t>29-09-2025</a:t>
+              <a:t>18-11-2025</a:t>
             </a:fld>
             <a:endParaRPr lang="en-IN"/>
           </a:p>
@@ -2721,7 +2721,7 @@
           <a:p>
             <a:fld id="{8A417453-3320-4BCD-A2FB-7FD7C1706EAB}" type="datetimeFigureOut">
               <a:rPr lang="en-IN" smtClean="0"/>
-              <a:t>29-09-2025</a:t>
+              <a:t>18-11-2025</a:t>
             </a:fld>
             <a:endParaRPr lang="en-IN"/>
           </a:p>
@@ -2969,7 +2969,7 @@
           <a:p>
             <a:fld id="{8A417453-3320-4BCD-A2FB-7FD7C1706EAB}" type="datetimeFigureOut">
               <a:rPr lang="en-IN" smtClean="0"/>
-              <a:t>29-09-2025</a:t>
+              <a:t>18-11-2025</a:t>
             </a:fld>
             <a:endParaRPr lang="en-IN"/>
           </a:p>
